--- a/Presentation/presentation.pptx
+++ b/Presentation/presentation.pptx
@@ -16,7 +16,8 @@
     <p:sldId id="264" r:id="rId10"/>
     <p:sldId id="265" r:id="rId11"/>
     <p:sldId id="266" r:id="rId12"/>
-    <p:sldId id="267" r:id="rId13"/>
+    <p:sldId id="268" r:id="rId13"/>
+    <p:sldId id="267" r:id="rId14"/>
   </p:sldIdLst>
   <p:sldSz cx="9144000" cy="6858000" type="screen4x3"/>
   <p:notesSz cx="6858000" cy="9144000"/>
@@ -252,7 +253,7 @@
           <a:p>
             <a:fld id="{7F49D355-16BD-4E45-BD9A-5EA878CF7CBD}" type="datetimeFigureOut">
               <a:rPr lang="it-IT" smtClean="0"/>
-              <a:t>18/06/2013</a:t>
+              <a:t>19/06/2013</a:t>
             </a:fld>
             <a:endParaRPr lang="it-IT"/>
           </a:p>
@@ -565,7 +566,7 @@
           <a:p>
             <a:fld id="{7F49D355-16BD-4E45-BD9A-5EA878CF7CBD}" type="datetimeFigureOut">
               <a:rPr lang="it-IT" smtClean="0"/>
-              <a:t>18/06/2013</a:t>
+              <a:t>19/06/2013</a:t>
             </a:fld>
             <a:endParaRPr lang="it-IT"/>
           </a:p>
@@ -750,7 +751,7 @@
           <a:p>
             <a:fld id="{7F49D355-16BD-4E45-BD9A-5EA878CF7CBD}" type="datetimeFigureOut">
               <a:rPr lang="it-IT" smtClean="0"/>
-              <a:t>18/06/2013</a:t>
+              <a:t>19/06/2013</a:t>
             </a:fld>
             <a:endParaRPr lang="it-IT"/>
           </a:p>
@@ -925,7 +926,7 @@
           <a:p>
             <a:fld id="{7F49D355-16BD-4E45-BD9A-5EA878CF7CBD}" type="datetimeFigureOut">
               <a:rPr lang="it-IT" smtClean="0"/>
-              <a:t>18/06/2013</a:t>
+              <a:t>19/06/2013</a:t>
             </a:fld>
             <a:endParaRPr lang="it-IT"/>
           </a:p>
@@ -1193,7 +1194,7 @@
           <a:p>
             <a:fld id="{7F49D355-16BD-4E45-BD9A-5EA878CF7CBD}" type="datetimeFigureOut">
               <a:rPr lang="it-IT" smtClean="0"/>
-              <a:t>18/06/2013</a:t>
+              <a:t>19/06/2013</a:t>
             </a:fld>
             <a:endParaRPr lang="it-IT"/>
           </a:p>
@@ -1661,7 +1662,7 @@
           <a:p>
             <a:fld id="{7F49D355-16BD-4E45-BD9A-5EA878CF7CBD}" type="datetimeFigureOut">
               <a:rPr lang="it-IT" smtClean="0"/>
-              <a:t>18/06/2013</a:t>
+              <a:t>19/06/2013</a:t>
             </a:fld>
             <a:endParaRPr lang="it-IT"/>
           </a:p>
@@ -2150,7 +2151,7 @@
           <a:p>
             <a:fld id="{7F49D355-16BD-4E45-BD9A-5EA878CF7CBD}" type="datetimeFigureOut">
               <a:rPr lang="it-IT" smtClean="0"/>
-              <a:t>18/06/2013</a:t>
+              <a:t>19/06/2013</a:t>
             </a:fld>
             <a:endParaRPr lang="it-IT"/>
           </a:p>
@@ -2276,7 +2277,7 @@
           <a:p>
             <a:fld id="{7F49D355-16BD-4E45-BD9A-5EA878CF7CBD}" type="datetimeFigureOut">
               <a:rPr lang="it-IT" smtClean="0"/>
-              <a:t>18/06/2013</a:t>
+              <a:t>19/06/2013</a:t>
             </a:fld>
             <a:endParaRPr lang="it-IT"/>
           </a:p>
@@ -2420,7 +2421,7 @@
           <a:p>
             <a:fld id="{7F49D355-16BD-4E45-BD9A-5EA878CF7CBD}" type="datetimeFigureOut">
               <a:rPr lang="it-IT" smtClean="0"/>
-              <a:t>18/06/2013</a:t>
+              <a:t>19/06/2013</a:t>
             </a:fld>
             <a:endParaRPr lang="it-IT"/>
           </a:p>
@@ -2742,7 +2743,7 @@
           <a:p>
             <a:fld id="{7F49D355-16BD-4E45-BD9A-5EA878CF7CBD}" type="datetimeFigureOut">
               <a:rPr lang="it-IT" smtClean="0"/>
-              <a:t>18/06/2013</a:t>
+              <a:t>19/06/2013</a:t>
             </a:fld>
             <a:endParaRPr lang="it-IT"/>
           </a:p>
@@ -2876,7 +2877,7 @@
           <a:p>
             <a:fld id="{7F49D355-16BD-4E45-BD9A-5EA878CF7CBD}" type="datetimeFigureOut">
               <a:rPr lang="it-IT" smtClean="0"/>
-              <a:t>18/06/2013</a:t>
+              <a:t>19/06/2013</a:t>
             </a:fld>
             <a:endParaRPr lang="it-IT"/>
           </a:p>
@@ -3657,7 +3658,7 @@
           <a:p>
             <a:fld id="{7F49D355-16BD-4E45-BD9A-5EA878CF7CBD}" type="datetimeFigureOut">
               <a:rPr lang="it-IT" smtClean="0"/>
-              <a:t>18/06/2013</a:t>
+              <a:t>19/06/2013</a:t>
             </a:fld>
             <a:endParaRPr lang="it-IT"/>
           </a:p>
@@ -4334,6 +4335,13 @@
   <p:clrMapOvr>
     <a:masterClrMapping/>
   </p:clrMapOvr>
+  <p:timing>
+    <p:tnLst>
+      <p:par>
+        <p:cTn id="1" dur="indefinite" restart="never" nodeType="tmRoot"/>
+      </p:par>
+    </p:tnLst>
+  </p:timing>
 </p:sld>
 </file>
 
@@ -4395,7 +4403,7 @@
             <p:ph idx="1"/>
             <p:extLst>
               <p:ext uri="{D42A27DB-BD31-4B8C-83A1-F6EECF244321}">
-                <p14:modId xmlns:p14="http://schemas.microsoft.com/office/powerpoint/2010/main" val="3559989328"/>
+                <p14:modId xmlns:p14="http://schemas.microsoft.com/office/powerpoint/2010/main" val="380780092"/>
               </p:ext>
             </p:extLst>
           </p:nvPr>
@@ -5196,10 +5204,10 @@
                         </a:spcAft>
                       </a:pPr>
                       <a:r>
-                        <a:rPr lang="en-US" sz="1200" dirty="0">
-                          <a:effectLst/>
-                        </a:rPr>
-                        <a:t>2,26</a:t>
+                        <a:rPr lang="en-US" sz="1200" dirty="0" smtClean="0">
+                          <a:effectLst/>
+                        </a:rPr>
+                        <a:t>2,21</a:t>
                       </a:r>
                       <a:endParaRPr lang="it-IT" sz="1200" dirty="0">
                         <a:solidFill>
@@ -5228,10 +5236,10 @@
                         </a:spcAft>
                       </a:pPr>
                       <a:r>
-                        <a:rPr lang="en-US" sz="1200" dirty="0">
-                          <a:effectLst/>
-                        </a:rPr>
-                        <a:t>113,25</a:t>
+                        <a:rPr lang="en-US" sz="1200" dirty="0" smtClean="0">
+                          <a:effectLst/>
+                        </a:rPr>
+                        <a:t>112,08</a:t>
                       </a:r>
                       <a:endParaRPr lang="it-IT" sz="1200" dirty="0">
                         <a:solidFill>
@@ -5260,17 +5268,23 @@
                         </a:spcAft>
                       </a:pPr>
                       <a:r>
-                        <a:rPr lang="en-US" sz="1200">
-                          <a:effectLst/>
-                        </a:rPr>
-                        <a:t>801</a:t>
-                      </a:r>
-                      <a:endParaRPr lang="it-IT" sz="1200">
-                        <a:solidFill>
-                          <a:srgbClr val="365F91"/>
-                        </a:solidFill>
-                        <a:effectLst/>
-                        <a:latin typeface="Calibri"/>
+                        <a:rPr lang="it-IT" sz="1200" dirty="0" smtClean="0">
+                          <a:solidFill>
+                            <a:schemeClr val="tx1"/>
+                          </a:solidFill>
+                          <a:effectLst/>
+                          <a:latin typeface="+mj-lt"/>
+                          <a:ea typeface="Calibri"/>
+                          <a:cs typeface="Times New Roman"/>
+                        </a:rPr>
+                        <a:t>914</a:t>
+                      </a:r>
+                      <a:endParaRPr lang="it-IT" sz="1200" dirty="0">
+                        <a:solidFill>
+                          <a:schemeClr val="tx1"/>
+                        </a:solidFill>
+                        <a:effectLst/>
+                        <a:latin typeface="+mj-lt"/>
                         <a:ea typeface="Calibri"/>
                         <a:cs typeface="Times New Roman"/>
                       </a:endParaRPr>
@@ -5292,12 +5306,12 @@
                         </a:spcAft>
                       </a:pPr>
                       <a:r>
-                        <a:rPr lang="en-US" sz="1200">
-                          <a:effectLst/>
-                        </a:rPr>
-                        <a:t>16335</a:t>
-                      </a:r>
-                      <a:endParaRPr lang="it-IT" sz="1200">
+                        <a:rPr lang="en-US" sz="1200" dirty="0" smtClean="0">
+                          <a:effectLst/>
+                        </a:rPr>
+                        <a:t>19205</a:t>
+                      </a:r>
+                      <a:endParaRPr lang="it-IT" sz="1200" dirty="0">
                         <a:solidFill>
                           <a:srgbClr val="365F91"/>
                         </a:solidFill>
@@ -5324,12 +5338,12 @@
                         </a:spcAft>
                       </a:pPr>
                       <a:r>
-                        <a:rPr lang="en-US" sz="1200">
-                          <a:effectLst/>
-                        </a:rPr>
-                        <a:t>5284</a:t>
-                      </a:r>
-                      <a:endParaRPr lang="it-IT" sz="1200">
+                        <a:rPr lang="en-US" sz="1200" dirty="0" smtClean="0">
+                          <a:effectLst/>
+                        </a:rPr>
+                        <a:t>5353</a:t>
+                      </a:r>
+                      <a:endParaRPr lang="it-IT" sz="1200" dirty="0">
                         <a:solidFill>
                           <a:srgbClr val="365F91"/>
                         </a:solidFill>
@@ -5356,12 +5370,12 @@
                         </a:spcAft>
                       </a:pPr>
                       <a:r>
-                        <a:rPr lang="en-US" sz="1200">
-                          <a:effectLst/>
-                        </a:rPr>
-                        <a:t>7,65</a:t>
-                      </a:r>
-                      <a:endParaRPr lang="it-IT" sz="1200">
+                        <a:rPr lang="en-US" sz="1200" dirty="0" smtClean="0">
+                          <a:effectLst/>
+                        </a:rPr>
+                        <a:t>7,31</a:t>
+                      </a:r>
+                      <a:endParaRPr lang="it-IT" sz="1200" dirty="0">
                         <a:solidFill>
                           <a:srgbClr val="365F91"/>
                         </a:solidFill>
@@ -5388,12 +5402,12 @@
                         </a:spcAft>
                       </a:pPr>
                       <a:r>
-                        <a:rPr lang="en-US" sz="1200">
-                          <a:effectLst/>
-                        </a:rPr>
-                        <a:t>22,465</a:t>
-                      </a:r>
-                      <a:endParaRPr lang="it-IT" sz="1200">
+                        <a:rPr lang="en-US" sz="1200" dirty="0" smtClean="0">
+                          <a:effectLst/>
+                        </a:rPr>
+                        <a:t>21.76</a:t>
+                      </a:r>
+                      <a:endParaRPr lang="it-IT" sz="1200" dirty="0">
                         <a:solidFill>
                           <a:srgbClr val="365F91"/>
                         </a:solidFill>
@@ -5420,12 +5434,12 @@
                         </a:spcAft>
                       </a:pPr>
                       <a:r>
-                        <a:rPr lang="en-US" sz="1200">
-                          <a:effectLst/>
-                        </a:rPr>
-                        <a:t>10,21</a:t>
-                      </a:r>
-                      <a:endParaRPr lang="it-IT" sz="1200">
+                        <a:rPr lang="en-US" sz="1200" dirty="0" smtClean="0">
+                          <a:effectLst/>
+                        </a:rPr>
+                        <a:t>8,60</a:t>
+                      </a:r>
+                      <a:endParaRPr lang="it-IT" sz="1200" dirty="0">
                         <a:solidFill>
                           <a:srgbClr val="365F91"/>
                         </a:solidFill>
@@ -5452,10 +5466,10 @@
                         </a:spcAft>
                       </a:pPr>
                       <a:r>
-                        <a:rPr lang="en-US" sz="1200" dirty="0">
-                          <a:effectLst/>
-                        </a:rPr>
-                        <a:t>213,30</a:t>
+                        <a:rPr lang="en-US" sz="1200" dirty="0" smtClean="0">
+                          <a:effectLst/>
+                        </a:rPr>
+                        <a:t>206,92</a:t>
                       </a:r>
                       <a:endParaRPr lang="it-IT" sz="1200" dirty="0">
                         <a:solidFill>
@@ -5555,6 +5569,13 @@
   <p:clrMapOvr>
     <a:masterClrMapping/>
   </p:clrMapOvr>
+  <p:timing>
+    <p:tnLst>
+      <p:par>
+        <p:cTn id="1" dur="indefinite" restart="never" nodeType="tmRoot"/>
+      </p:par>
+    </p:tnLst>
+  </p:timing>
 </p:sld>
 </file>
 
@@ -5625,6 +5646,18 @@
               <a:rPr lang="it-IT" dirty="0" err="1" smtClean="0"/>
               <a:t>metrics</a:t>
             </a:r>
+            <a:r>
+              <a:rPr lang="it-IT" dirty="0" smtClean="0"/>
+              <a:t> (</a:t>
+            </a:r>
+            <a:r>
+              <a:rPr lang="it-IT" dirty="0" err="1" smtClean="0"/>
+              <a:t>only</a:t>
+            </a:r>
+            <a:r>
+              <a:rPr lang="it-IT" dirty="0" smtClean="0"/>
+              <a:t> divider)</a:t>
+            </a:r>
             <a:endParaRPr lang="it-IT" dirty="0" smtClean="0"/>
           </a:p>
           <a:p>
@@ -5641,7 +5674,7 @@
           <p:nvPr>
             <p:extLst>
               <p:ext uri="{D42A27DB-BD31-4B8C-83A1-F6EECF244321}">
-                <p14:modId xmlns:p14="http://schemas.microsoft.com/office/powerpoint/2010/main" val="3539377288"/>
+                <p14:modId xmlns:p14="http://schemas.microsoft.com/office/powerpoint/2010/main" val="280286758"/>
               </p:ext>
             </p:extLst>
           </p:nvPr>
@@ -6495,7 +6528,13 @@
                       </a:pPr>
                       <a:r>
                         <a:rPr lang="en-US" sz="2400" dirty="0" smtClean="0">
-                          <a:effectLst/>
+                          <a:solidFill>
+                            <a:schemeClr val="dk1"/>
+                          </a:solidFill>
+                          <a:effectLst/>
+                          <a:latin typeface="+mn-lt"/>
+                          <a:ea typeface="+mn-ea"/>
+                          <a:cs typeface="+mn-cs"/>
                         </a:rPr>
                         <a:t>2,83</a:t>
                       </a:r>
@@ -6526,17 +6565,23 @@
                         </a:spcAft>
                       </a:pPr>
                       <a:r>
-                        <a:rPr lang="en-US" sz="2400" dirty="0" smtClean="0">
-                          <a:effectLst/>
+                        <a:rPr lang="it-IT" sz="2400" dirty="0" smtClean="0">
+                          <a:solidFill>
+                            <a:schemeClr val="tx1"/>
+                          </a:solidFill>
+                          <a:effectLst/>
+                          <a:latin typeface="+mj-lt"/>
+                          <a:ea typeface="Calibri"/>
+                          <a:cs typeface="Times New Roman"/>
                         </a:rPr>
                         <a:t>1,24</a:t>
                       </a:r>
                       <a:endParaRPr lang="it-IT" sz="2400" dirty="0">
                         <a:solidFill>
-                          <a:srgbClr val="365F91"/>
-                        </a:solidFill>
-                        <a:effectLst/>
-                        <a:latin typeface="Calibri"/>
+                          <a:schemeClr val="tx1"/>
+                        </a:solidFill>
+                        <a:effectLst/>
+                        <a:latin typeface="+mj-lt"/>
                         <a:ea typeface="Calibri"/>
                         <a:cs typeface="Times New Roman"/>
                       </a:endParaRPr>
@@ -6783,6 +6828,15 @@
                           <a:spcPts val="600"/>
                         </a:spcAft>
                       </a:pPr>
+                      <a:r>
+                        <a:rPr lang="en-US" sz="2400" dirty="0" smtClean="0">
+                          <a:solidFill>
+                            <a:srgbClr val="FF0000"/>
+                          </a:solidFill>
+                          <a:effectLst/>
+                        </a:rPr>
+                        <a:t>-5,8</a:t>
+                      </a:r>
                       <a:r>
                         <a:rPr lang="en-US" sz="2400" dirty="0">
                           <a:solidFill>
@@ -6790,7 +6844,7 @@
                           </a:solidFill>
                           <a:effectLst/>
                         </a:rPr>
-                        <a:t>5,8%</a:t>
+                        <a:t>%</a:t>
                       </a:r>
                       <a:endParaRPr lang="it-IT" sz="2400" dirty="0">
                         <a:solidFill>
@@ -6850,6 +6904,15 @@
                           <a:spcPts val="600"/>
                         </a:spcAft>
                       </a:pPr>
+                      <a:r>
+                        <a:rPr lang="en-US" sz="2400" dirty="0" smtClean="0">
+                          <a:solidFill>
+                            <a:srgbClr val="FF0000"/>
+                          </a:solidFill>
+                          <a:effectLst/>
+                        </a:rPr>
+                        <a:t>-0,7</a:t>
+                      </a:r>
                       <a:r>
                         <a:rPr lang="en-US" sz="2400" dirty="0">
                           <a:solidFill>
@@ -6857,7 +6920,7 @@
                           </a:solidFill>
                           <a:effectLst/>
                         </a:rPr>
-                        <a:t>0,7%</a:t>
+                        <a:t>%</a:t>
                       </a:r>
                       <a:endParaRPr lang="it-IT" sz="2400" dirty="0">
                         <a:solidFill>
@@ -6885,6 +6948,17 @@
                           <a:spcPts val="600"/>
                         </a:spcAft>
                       </a:pPr>
+                      <a:r>
+                        <a:rPr lang="en-US" sz="2400" dirty="0" smtClean="0">
+                          <a:solidFill>
+                            <a:schemeClr val="accent4">
+                              <a:lumMod val="75000"/>
+                            </a:schemeClr>
+                          </a:solidFill>
+                          <a:effectLst/>
+                        </a:rPr>
+                        <a:t>2,7</a:t>
+                      </a:r>
                       <a:r>
                         <a:rPr lang="en-US" sz="2400" dirty="0">
                           <a:solidFill>
@@ -6894,7 +6968,7 @@
                           </a:solidFill>
                           <a:effectLst/>
                         </a:rPr>
-                        <a:t>-2,7%</a:t>
+                        <a:t>%</a:t>
                       </a:r>
                       <a:endParaRPr lang="it-IT" sz="2400" dirty="0">
                         <a:solidFill>
@@ -6924,6 +6998,15 @@
                           <a:spcPts val="600"/>
                         </a:spcAft>
                       </a:pPr>
+                      <a:r>
+                        <a:rPr lang="en-US" sz="2400" dirty="0" smtClean="0">
+                          <a:solidFill>
+                            <a:srgbClr val="FF0000"/>
+                          </a:solidFill>
+                          <a:effectLst/>
+                        </a:rPr>
+                        <a:t>-5,8</a:t>
+                      </a:r>
                       <a:r>
                         <a:rPr lang="en-US" sz="2400" dirty="0">
                           <a:solidFill>
@@ -6931,7 +7014,7 @@
                           </a:solidFill>
                           <a:effectLst/>
                         </a:rPr>
-                        <a:t>5,8%</a:t>
+                        <a:t>%</a:t>
                       </a:r>
                       <a:endParaRPr lang="it-IT" sz="2400" dirty="0">
                         <a:solidFill>
@@ -6959,6 +7042,15 @@
                           <a:spcPts val="600"/>
                         </a:spcAft>
                       </a:pPr>
+                      <a:r>
+                        <a:rPr lang="en-US" sz="2400" dirty="0" smtClean="0">
+                          <a:solidFill>
+                            <a:srgbClr val="FF0000"/>
+                          </a:solidFill>
+                          <a:effectLst/>
+                        </a:rPr>
+                        <a:t>-2,9</a:t>
+                      </a:r>
                       <a:r>
                         <a:rPr lang="en-US" sz="2400" dirty="0">
                           <a:solidFill>
@@ -6966,7 +7058,7 @@
                           </a:solidFill>
                           <a:effectLst/>
                         </a:rPr>
-                        <a:t>2,9%</a:t>
+                        <a:t>%</a:t>
                       </a:r>
                       <a:endParaRPr lang="it-IT" sz="2400" dirty="0">
                         <a:solidFill>
@@ -6994,6 +7086,15 @@
                           <a:spcPts val="600"/>
                         </a:spcAft>
                       </a:pPr>
+                      <a:r>
+                        <a:rPr lang="en-US" sz="2400" dirty="0" smtClean="0">
+                          <a:solidFill>
+                            <a:srgbClr val="FF0000"/>
+                          </a:solidFill>
+                          <a:effectLst/>
+                        </a:rPr>
+                        <a:t>-0,7</a:t>
+                      </a:r>
                       <a:r>
                         <a:rPr lang="en-US" sz="2400" dirty="0">
                           <a:solidFill>
@@ -7001,7 +7102,7 @@
                           </a:solidFill>
                           <a:effectLst/>
                         </a:rPr>
-                        <a:t>0,7%</a:t>
+                        <a:t>%</a:t>
                       </a:r>
                       <a:endParaRPr lang="it-IT" sz="2400" dirty="0">
                         <a:solidFill>
@@ -7029,6 +7130,17 @@
                           <a:spcPts val="600"/>
                         </a:spcAft>
                       </a:pPr>
+                      <a:r>
+                        <a:rPr lang="en-US" sz="2400" b="1" dirty="0" smtClean="0">
+                          <a:solidFill>
+                            <a:schemeClr val="accent4">
+                              <a:lumMod val="75000"/>
+                            </a:schemeClr>
+                          </a:solidFill>
+                          <a:effectLst/>
+                        </a:rPr>
+                        <a:t>2,0</a:t>
+                      </a:r>
                       <a:r>
                         <a:rPr lang="en-US" sz="2400" b="1" dirty="0">
                           <a:solidFill>
@@ -7038,7 +7150,7 @@
                           </a:solidFill>
                           <a:effectLst/>
                         </a:rPr>
-                        <a:t>-2,0%</a:t>
+                        <a:t>%</a:t>
                       </a:r>
                       <a:endParaRPr lang="it-IT" sz="2400" b="1" dirty="0">
                         <a:solidFill>
@@ -7070,6 +7182,13 @@
   <p:clrMapOvr>
     <a:masterClrMapping/>
   </p:clrMapOvr>
+  <p:timing>
+    <p:tnLst>
+      <p:par>
+        <p:cTn id="1" dur="indefinite" restart="never" nodeType="tmRoot"/>
+      </p:par>
+    </p:tnLst>
+  </p:timing>
 </p:sld>
 </file>
 
@@ -7107,15 +7226,7 @@
           <a:p>
             <a:r>
               <a:rPr lang="it-IT" dirty="0" err="1" smtClean="0"/>
-              <a:t>Furhter</a:t>
-            </a:r>
-            <a:r>
-              <a:rPr lang="it-IT" dirty="0" smtClean="0"/>
-              <a:t> </a:t>
-            </a:r>
-            <a:r>
-              <a:rPr lang="it-IT" dirty="0" err="1" smtClean="0"/>
-              <a:t>Improvements</a:t>
+              <a:t>Conclusion</a:t>
             </a:r>
             <a:endParaRPr lang="it-IT" dirty="0"/>
           </a:p>
@@ -7137,6 +7248,1578 @@
           <a:lstStyle/>
           <a:p>
             <a:r>
+              <a:rPr lang="it-IT" dirty="0" err="1" smtClean="0"/>
+              <a:t>Comparison</a:t>
+            </a:r>
+            <a:r>
+              <a:rPr lang="it-IT" dirty="0" smtClean="0"/>
+              <a:t> with </a:t>
+            </a:r>
+            <a:r>
+              <a:rPr lang="it-IT" dirty="0" err="1" smtClean="0"/>
+              <a:t>metrics</a:t>
+            </a:r>
+            <a:r>
+              <a:rPr lang="it-IT" dirty="0" smtClean="0"/>
+              <a:t> (div + </a:t>
+            </a:r>
+            <a:r>
+              <a:rPr lang="it-IT" dirty="0" err="1" smtClean="0"/>
+              <a:t>mul</a:t>
+            </a:r>
+            <a:r>
+              <a:rPr lang="it-IT" dirty="0" smtClean="0"/>
+              <a:t>)</a:t>
+            </a:r>
+            <a:endParaRPr lang="it-IT" dirty="0" smtClean="0"/>
+          </a:p>
+          <a:p>
+            <a:endParaRPr lang="it-IT" dirty="0"/>
+          </a:p>
+        </p:txBody>
+      </p:sp>
+      <p:graphicFrame>
+        <p:nvGraphicFramePr>
+          <p:cNvPr id="4" name="Tabella 3"/>
+          <p:cNvGraphicFramePr>
+            <a:graphicFrameLocks noGrp="1"/>
+          </p:cNvGraphicFramePr>
+          <p:nvPr>
+            <p:extLst>
+              <p:ext uri="{D42A27DB-BD31-4B8C-83A1-F6EECF244321}">
+                <p14:modId xmlns:p14="http://schemas.microsoft.com/office/powerpoint/2010/main" val="3659184424"/>
+              </p:ext>
+            </p:extLst>
+          </p:nvPr>
+        </p:nvGraphicFramePr>
+        <p:xfrm>
+          <a:off x="107505" y="2132857"/>
+          <a:ext cx="8928990" cy="4608511"/>
+        </p:xfrm>
+        <a:graphic>
+          <a:graphicData uri="http://schemas.openxmlformats.org/drawingml/2006/table">
+            <a:tbl>
+              <a:tblPr firstRow="1" firstCol="1" bandRow="1">
+                <a:tableStyleId>{8A107856-5554-42FB-B03E-39F5DBC370BA}</a:tableStyleId>
+              </a:tblPr>
+              <a:tblGrid>
+                <a:gridCol w="992110"/>
+                <a:gridCol w="992110"/>
+                <a:gridCol w="992110"/>
+                <a:gridCol w="992110"/>
+                <a:gridCol w="992110"/>
+                <a:gridCol w="992110"/>
+                <a:gridCol w="992110"/>
+                <a:gridCol w="992110"/>
+                <a:gridCol w="992110"/>
+              </a:tblGrid>
+              <a:tr h="756084">
+                <a:tc>
+                  <a:txBody>
+                    <a:bodyPr/>
+                    <a:lstStyle/>
+                    <a:p>
+                      <a:pPr algn="ctr">
+                        <a:spcBef>
+                          <a:spcPts val="600"/>
+                        </a:spcBef>
+                        <a:spcAft>
+                          <a:spcPts val="600"/>
+                        </a:spcAft>
+                      </a:pPr>
+                      <a:r>
+                        <a:rPr lang="en-US" sz="1800" dirty="0">
+                          <a:effectLst/>
+                        </a:rPr>
+                        <a:t>Version</a:t>
+                      </a:r>
+                      <a:endParaRPr lang="it-IT" sz="1800" dirty="0">
+                        <a:solidFill>
+                          <a:srgbClr val="365F91"/>
+                        </a:solidFill>
+                        <a:effectLst/>
+                        <a:latin typeface="Calibri"/>
+                        <a:ea typeface="Calibri"/>
+                        <a:cs typeface="Times New Roman"/>
+                      </a:endParaRPr>
+                    </a:p>
+                  </a:txBody>
+                  <a:tcPr marL="68580" marR="68580" marT="0" marB="0" anchor="ctr"/>
+                </a:tc>
+                <a:tc gridSpan="4">
+                  <a:txBody>
+                    <a:bodyPr/>
+                    <a:lstStyle/>
+                    <a:p>
+                      <a:pPr algn="ctr">
+                        <a:spcBef>
+                          <a:spcPts val="600"/>
+                        </a:spcBef>
+                        <a:spcAft>
+                          <a:spcPts val="600"/>
+                        </a:spcAft>
+                      </a:pPr>
+                      <a:r>
+                        <a:rPr lang="en-US" sz="1800" dirty="0">
+                          <a:effectLst/>
+                        </a:rPr>
+                        <a:t>Primitive metrics</a:t>
+                      </a:r>
+                      <a:endParaRPr lang="it-IT" sz="1800" dirty="0">
+                        <a:solidFill>
+                          <a:srgbClr val="365F91"/>
+                        </a:solidFill>
+                        <a:effectLst/>
+                        <a:latin typeface="Calibri"/>
+                        <a:ea typeface="Calibri"/>
+                        <a:cs typeface="Times New Roman"/>
+                      </a:endParaRPr>
+                    </a:p>
+                  </a:txBody>
+                  <a:tcPr marL="68580" marR="68580" marT="0" marB="0" anchor="ctr"/>
+                </a:tc>
+                <a:tc hMerge="1">
+                  <a:txBody>
+                    <a:bodyPr/>
+                    <a:lstStyle/>
+                    <a:p>
+                      <a:endParaRPr lang="it-IT"/>
+                    </a:p>
+                  </a:txBody>
+                  <a:tcPr/>
+                </a:tc>
+                <a:tc hMerge="1">
+                  <a:txBody>
+                    <a:bodyPr/>
+                    <a:lstStyle/>
+                    <a:p>
+                      <a:endParaRPr lang="it-IT"/>
+                    </a:p>
+                  </a:txBody>
+                  <a:tcPr/>
+                </a:tc>
+                <a:tc hMerge="1">
+                  <a:txBody>
+                    <a:bodyPr/>
+                    <a:lstStyle/>
+                    <a:p>
+                      <a:endParaRPr lang="it-IT"/>
+                    </a:p>
+                  </a:txBody>
+                  <a:tcPr/>
+                </a:tc>
+                <a:tc gridSpan="4">
+                  <a:txBody>
+                    <a:bodyPr/>
+                    <a:lstStyle/>
+                    <a:p>
+                      <a:pPr algn="ctr">
+                        <a:spcBef>
+                          <a:spcPts val="600"/>
+                        </a:spcBef>
+                        <a:spcAft>
+                          <a:spcPts val="600"/>
+                        </a:spcAft>
+                      </a:pPr>
+                      <a:r>
+                        <a:rPr lang="en-US" sz="1800" dirty="0">
+                          <a:effectLst/>
+                        </a:rPr>
+                        <a:t>Composite metrics</a:t>
+                      </a:r>
+                      <a:endParaRPr lang="it-IT" sz="1800" dirty="0">
+                        <a:solidFill>
+                          <a:srgbClr val="365F91"/>
+                        </a:solidFill>
+                        <a:effectLst/>
+                        <a:latin typeface="Calibri"/>
+                        <a:ea typeface="Calibri"/>
+                        <a:cs typeface="Times New Roman"/>
+                      </a:endParaRPr>
+                    </a:p>
+                  </a:txBody>
+                  <a:tcPr marL="68580" marR="68580" marT="0" marB="0" anchor="ctr"/>
+                </a:tc>
+                <a:tc hMerge="1">
+                  <a:txBody>
+                    <a:bodyPr/>
+                    <a:lstStyle/>
+                    <a:p>
+                      <a:endParaRPr lang="it-IT"/>
+                    </a:p>
+                  </a:txBody>
+                  <a:tcPr/>
+                </a:tc>
+                <a:tc hMerge="1">
+                  <a:txBody>
+                    <a:bodyPr/>
+                    <a:lstStyle/>
+                    <a:p>
+                      <a:endParaRPr lang="it-IT"/>
+                    </a:p>
+                  </a:txBody>
+                  <a:tcPr/>
+                </a:tc>
+                <a:tc hMerge="1">
+                  <a:txBody>
+                    <a:bodyPr/>
+                    <a:lstStyle/>
+                    <a:p>
+                      <a:endParaRPr lang="it-IT"/>
+                    </a:p>
+                  </a:txBody>
+                  <a:tcPr/>
+                </a:tc>
+              </a:tr>
+              <a:tr h="612067">
+                <a:tc>
+                  <a:txBody>
+                    <a:bodyPr/>
+                    <a:lstStyle/>
+                    <a:p>
+                      <a:pPr algn="ctr">
+                        <a:spcBef>
+                          <a:spcPts val="600"/>
+                        </a:spcBef>
+                        <a:spcAft>
+                          <a:spcPts val="600"/>
+                        </a:spcAft>
+                      </a:pPr>
+                      <a:r>
+                        <a:rPr lang="en-US" sz="1400" dirty="0">
+                          <a:effectLst/>
+                        </a:rPr>
+                        <a:t> </a:t>
+                      </a:r>
+                      <a:endParaRPr lang="it-IT" sz="1400" dirty="0">
+                        <a:solidFill>
+                          <a:srgbClr val="365F91"/>
+                        </a:solidFill>
+                        <a:effectLst/>
+                        <a:latin typeface="Calibri"/>
+                        <a:ea typeface="Calibri"/>
+                        <a:cs typeface="Times New Roman"/>
+                      </a:endParaRPr>
+                    </a:p>
+                  </a:txBody>
+                  <a:tcPr marL="68580" marR="68580" marT="0" marB="0" vert="vert270" anchor="ctr"/>
+                </a:tc>
+                <a:tc>
+                  <a:txBody>
+                    <a:bodyPr/>
+                    <a:lstStyle/>
+                    <a:p>
+                      <a:pPr algn="ctr">
+                        <a:spcBef>
+                          <a:spcPts val="600"/>
+                        </a:spcBef>
+                        <a:spcAft>
+                          <a:spcPts val="600"/>
+                        </a:spcAft>
+                      </a:pPr>
+                      <a:r>
+                        <a:rPr lang="en-US" sz="2400" dirty="0" smtClean="0">
+                          <a:effectLst/>
+                        </a:rPr>
+                        <a:t>A </a:t>
+                      </a:r>
+                      <a:r>
+                        <a:rPr lang="en-US" sz="1100" dirty="0" smtClean="0">
+                          <a:effectLst/>
+                        </a:rPr>
+                        <a:t>(*10^4)</a:t>
+                      </a:r>
+                      <a:endParaRPr lang="it-IT" sz="1100" dirty="0">
+                        <a:solidFill>
+                          <a:srgbClr val="365F91"/>
+                        </a:solidFill>
+                        <a:effectLst/>
+                        <a:latin typeface="Calibri"/>
+                        <a:ea typeface="Calibri"/>
+                        <a:cs typeface="Times New Roman"/>
+                      </a:endParaRPr>
+                    </a:p>
+                  </a:txBody>
+                  <a:tcPr marL="68580" marR="68580" marT="0" marB="0" anchor="ctr"/>
+                </a:tc>
+                <a:tc>
+                  <a:txBody>
+                    <a:bodyPr/>
+                    <a:lstStyle/>
+                    <a:p>
+                      <a:pPr algn="ctr">
+                        <a:spcBef>
+                          <a:spcPts val="600"/>
+                        </a:spcBef>
+                        <a:spcAft>
+                          <a:spcPts val="600"/>
+                        </a:spcAft>
+                      </a:pPr>
+                      <a:r>
+                        <a:rPr lang="en-US" sz="2400" dirty="0" smtClean="0">
+                          <a:effectLst/>
+                        </a:rPr>
+                        <a:t>D </a:t>
+                      </a:r>
+                      <a:r>
+                        <a:rPr lang="en-US" sz="1100" dirty="0" smtClean="0">
+                          <a:effectLst/>
+                        </a:rPr>
+                        <a:t>(*10^-2)</a:t>
+                      </a:r>
+                      <a:endParaRPr lang="it-IT" sz="1100" dirty="0">
+                        <a:solidFill>
+                          <a:srgbClr val="365F91"/>
+                        </a:solidFill>
+                        <a:effectLst/>
+                        <a:latin typeface="Calibri"/>
+                        <a:ea typeface="Calibri"/>
+                        <a:cs typeface="Times New Roman"/>
+                      </a:endParaRPr>
+                    </a:p>
+                  </a:txBody>
+                  <a:tcPr marL="68580" marR="68580" marT="0" marB="0" anchor="ctr"/>
+                </a:tc>
+                <a:tc>
+                  <a:txBody>
+                    <a:bodyPr/>
+                    <a:lstStyle/>
+                    <a:p>
+                      <a:pPr algn="ctr">
+                        <a:spcBef>
+                          <a:spcPts val="600"/>
+                        </a:spcBef>
+                        <a:spcAft>
+                          <a:spcPts val="600"/>
+                        </a:spcAft>
+                      </a:pPr>
+                      <a:r>
+                        <a:rPr lang="en-US" sz="2400">
+                          <a:effectLst/>
+                        </a:rPr>
+                        <a:t>P</a:t>
+                      </a:r>
+                      <a:endParaRPr lang="it-IT" sz="2400">
+                        <a:solidFill>
+                          <a:srgbClr val="365F91"/>
+                        </a:solidFill>
+                        <a:effectLst/>
+                        <a:latin typeface="Calibri"/>
+                        <a:ea typeface="Calibri"/>
+                        <a:cs typeface="Times New Roman"/>
+                      </a:endParaRPr>
+                    </a:p>
+                  </a:txBody>
+                  <a:tcPr marL="68580" marR="68580" marT="0" marB="0" anchor="ctr"/>
+                </a:tc>
+                <a:tc>
+                  <a:txBody>
+                    <a:bodyPr/>
+                    <a:lstStyle/>
+                    <a:p>
+                      <a:pPr algn="ctr">
+                        <a:spcBef>
+                          <a:spcPts val="600"/>
+                        </a:spcBef>
+                        <a:spcAft>
+                          <a:spcPts val="600"/>
+                        </a:spcAft>
+                      </a:pPr>
+                      <a:r>
+                        <a:rPr lang="en-US" sz="2400" dirty="0" smtClean="0">
+                          <a:effectLst/>
+                        </a:rPr>
+                        <a:t>BS </a:t>
+                      </a:r>
+                      <a:r>
+                        <a:rPr lang="en-US" sz="1100" dirty="0" smtClean="0">
+                          <a:effectLst/>
+                        </a:rPr>
+                        <a:t>(*10^2)</a:t>
+                      </a:r>
+                      <a:endParaRPr lang="it-IT" sz="1100" dirty="0">
+                        <a:solidFill>
+                          <a:srgbClr val="365F91"/>
+                        </a:solidFill>
+                        <a:effectLst/>
+                        <a:latin typeface="Calibri"/>
+                        <a:ea typeface="Calibri"/>
+                        <a:cs typeface="Times New Roman"/>
+                      </a:endParaRPr>
+                    </a:p>
+                  </a:txBody>
+                  <a:tcPr marL="68580" marR="68580" marT="0" marB="0" anchor="ctr"/>
+                </a:tc>
+                <a:tc>
+                  <a:txBody>
+                    <a:bodyPr/>
+                    <a:lstStyle/>
+                    <a:p>
+                      <a:pPr algn="ctr">
+                        <a:spcBef>
+                          <a:spcPts val="600"/>
+                        </a:spcBef>
+                        <a:spcAft>
+                          <a:spcPts val="600"/>
+                        </a:spcAft>
+                      </a:pPr>
+                      <a:r>
+                        <a:rPr lang="en-US" sz="2400" dirty="0" smtClean="0">
+                          <a:effectLst/>
+                        </a:rPr>
+                        <a:t>A*D </a:t>
+                      </a:r>
+                      <a:r>
+                        <a:rPr lang="en-US" sz="1100" dirty="0" smtClean="0">
+                          <a:effectLst/>
+                        </a:rPr>
+                        <a:t>(*10^2)</a:t>
+                      </a:r>
+                      <a:endParaRPr lang="it-IT" sz="1100" dirty="0">
+                        <a:solidFill>
+                          <a:srgbClr val="365F91"/>
+                        </a:solidFill>
+                        <a:effectLst/>
+                        <a:latin typeface="Calibri"/>
+                        <a:ea typeface="Calibri"/>
+                        <a:cs typeface="Times New Roman"/>
+                      </a:endParaRPr>
+                    </a:p>
+                  </a:txBody>
+                  <a:tcPr marL="68580" marR="68580" marT="0" marB="0" anchor="ctr"/>
+                </a:tc>
+                <a:tc>
+                  <a:txBody>
+                    <a:bodyPr/>
+                    <a:lstStyle/>
+                    <a:p>
+                      <a:pPr algn="ctr">
+                        <a:spcBef>
+                          <a:spcPts val="600"/>
+                        </a:spcBef>
+                        <a:spcAft>
+                          <a:spcPts val="600"/>
+                        </a:spcAft>
+                      </a:pPr>
+                      <a:r>
+                        <a:rPr lang="en-US" sz="2400" dirty="0" smtClean="0">
+                          <a:effectLst/>
+                        </a:rPr>
+                        <a:t>A*BS </a:t>
+                      </a:r>
+                      <a:r>
+                        <a:rPr lang="en-US" sz="1100" dirty="0" smtClean="0">
+                          <a:effectLst/>
+                        </a:rPr>
+                        <a:t>(*10^6)</a:t>
+                      </a:r>
+                      <a:endParaRPr lang="it-IT" sz="1100" dirty="0">
+                        <a:solidFill>
+                          <a:srgbClr val="365F91"/>
+                        </a:solidFill>
+                        <a:effectLst/>
+                        <a:latin typeface="Calibri"/>
+                        <a:ea typeface="Calibri"/>
+                        <a:cs typeface="Times New Roman"/>
+                      </a:endParaRPr>
+                    </a:p>
+                  </a:txBody>
+                  <a:tcPr marL="68580" marR="68580" marT="0" marB="0" anchor="ctr"/>
+                </a:tc>
+                <a:tc>
+                  <a:txBody>
+                    <a:bodyPr/>
+                    <a:lstStyle/>
+                    <a:p>
+                      <a:pPr algn="ctr">
+                        <a:spcBef>
+                          <a:spcPts val="600"/>
+                        </a:spcBef>
+                        <a:spcAft>
+                          <a:spcPts val="600"/>
+                        </a:spcAft>
+                      </a:pPr>
+                      <a:r>
+                        <a:rPr lang="en-US" sz="2400" dirty="0" smtClean="0">
+                          <a:effectLst/>
+                        </a:rPr>
+                        <a:t>P*D </a:t>
+                      </a:r>
+                      <a:r>
+                        <a:rPr lang="en-US" sz="1100" dirty="0" smtClean="0">
+                          <a:effectLst/>
+                        </a:rPr>
+                        <a:t>(*10^-2)</a:t>
+                      </a:r>
+                      <a:endParaRPr lang="it-IT" sz="1100" dirty="0">
+                        <a:solidFill>
+                          <a:srgbClr val="365F91"/>
+                        </a:solidFill>
+                        <a:effectLst/>
+                        <a:latin typeface="Calibri"/>
+                        <a:ea typeface="Calibri"/>
+                        <a:cs typeface="Times New Roman"/>
+                      </a:endParaRPr>
+                    </a:p>
+                  </a:txBody>
+                  <a:tcPr marL="68580" marR="68580" marT="0" marB="0" anchor="ctr"/>
+                </a:tc>
+                <a:tc>
+                  <a:txBody>
+                    <a:bodyPr/>
+                    <a:lstStyle/>
+                    <a:p>
+                      <a:pPr algn="ctr">
+                        <a:spcBef>
+                          <a:spcPts val="600"/>
+                        </a:spcBef>
+                        <a:spcAft>
+                          <a:spcPts val="600"/>
+                        </a:spcAft>
+                      </a:pPr>
+                      <a:r>
+                        <a:rPr lang="en-US" sz="2400" b="1" dirty="0" smtClean="0">
+                          <a:effectLst/>
+                        </a:rPr>
+                        <a:t>P*BS </a:t>
+                      </a:r>
+                      <a:r>
+                        <a:rPr lang="en-US" sz="1100" b="1" dirty="0" smtClean="0">
+                          <a:effectLst/>
+                        </a:rPr>
+                        <a:t>(*10^2)</a:t>
+                      </a:r>
+                      <a:endParaRPr lang="it-IT" sz="1100" b="1" dirty="0">
+                        <a:solidFill>
+                          <a:srgbClr val="365F91"/>
+                        </a:solidFill>
+                        <a:effectLst/>
+                        <a:latin typeface="Calibri"/>
+                        <a:ea typeface="Calibri"/>
+                        <a:cs typeface="Times New Roman"/>
+                      </a:endParaRPr>
+                    </a:p>
+                  </a:txBody>
+                  <a:tcPr marL="68580" marR="68580" marT="0" marB="0" anchor="ctr"/>
+                </a:tc>
+              </a:tr>
+              <a:tr h="864096">
+                <a:tc>
+                  <a:txBody>
+                    <a:bodyPr/>
+                    <a:lstStyle/>
+                    <a:p>
+                      <a:pPr algn="ctr">
+                        <a:spcBef>
+                          <a:spcPts val="600"/>
+                        </a:spcBef>
+                        <a:spcAft>
+                          <a:spcPts val="600"/>
+                        </a:spcAft>
+                      </a:pPr>
+                      <a:r>
+                        <a:rPr lang="en-US" sz="1400" dirty="0">
+                          <a:effectLst/>
+                        </a:rPr>
+                        <a:t>Baseline</a:t>
+                      </a:r>
+                      <a:endParaRPr lang="it-IT" sz="1400" dirty="0">
+                        <a:solidFill>
+                          <a:srgbClr val="365F91"/>
+                        </a:solidFill>
+                        <a:effectLst/>
+                        <a:latin typeface="Calibri"/>
+                        <a:ea typeface="Calibri"/>
+                        <a:cs typeface="Times New Roman"/>
+                      </a:endParaRPr>
+                    </a:p>
+                  </a:txBody>
+                  <a:tcPr marL="68580" marR="68580" marT="0" marB="0" vert="vert270" anchor="ctr"/>
+                </a:tc>
+                <a:tc>
+                  <a:txBody>
+                    <a:bodyPr/>
+                    <a:lstStyle/>
+                    <a:p>
+                      <a:pPr algn="ctr">
+                        <a:spcBef>
+                          <a:spcPts val="600"/>
+                        </a:spcBef>
+                        <a:spcAft>
+                          <a:spcPts val="600"/>
+                        </a:spcAft>
+                      </a:pPr>
+                      <a:r>
+                        <a:rPr lang="en-US" sz="2400" dirty="0" smtClean="0">
+                          <a:effectLst/>
+                        </a:rPr>
+                        <a:t>2,68</a:t>
+                      </a:r>
+                      <a:endParaRPr lang="it-IT" sz="2400" dirty="0">
+                        <a:solidFill>
+                          <a:srgbClr val="365F91"/>
+                        </a:solidFill>
+                        <a:effectLst/>
+                        <a:latin typeface="Calibri"/>
+                        <a:ea typeface="Calibri"/>
+                        <a:cs typeface="Times New Roman"/>
+                      </a:endParaRPr>
+                    </a:p>
+                  </a:txBody>
+                  <a:tcPr marL="68580" marR="68580" marT="0" marB="0" anchor="ctr"/>
+                </a:tc>
+                <a:tc>
+                  <a:txBody>
+                    <a:bodyPr/>
+                    <a:lstStyle/>
+                    <a:p>
+                      <a:pPr algn="ctr">
+                        <a:spcBef>
+                          <a:spcPts val="600"/>
+                        </a:spcBef>
+                        <a:spcAft>
+                          <a:spcPts val="600"/>
+                        </a:spcAft>
+                      </a:pPr>
+                      <a:r>
+                        <a:rPr lang="en-US" sz="2400" dirty="0" smtClean="0">
+                          <a:effectLst/>
+                        </a:rPr>
+                        <a:t>1,24</a:t>
+                      </a:r>
+                      <a:endParaRPr lang="it-IT" sz="2400" dirty="0">
+                        <a:solidFill>
+                          <a:srgbClr val="365F91"/>
+                        </a:solidFill>
+                        <a:effectLst/>
+                        <a:latin typeface="Calibri"/>
+                        <a:ea typeface="Calibri"/>
+                        <a:cs typeface="Times New Roman"/>
+                      </a:endParaRPr>
+                    </a:p>
+                  </a:txBody>
+                  <a:tcPr marL="68580" marR="68580" marT="0" marB="0" anchor="ctr"/>
+                </a:tc>
+                <a:tc>
+                  <a:txBody>
+                    <a:bodyPr/>
+                    <a:lstStyle/>
+                    <a:p>
+                      <a:pPr algn="ctr">
+                        <a:spcBef>
+                          <a:spcPts val="600"/>
+                        </a:spcBef>
+                        <a:spcAft>
+                          <a:spcPts val="600"/>
+                        </a:spcAft>
+                      </a:pPr>
+                      <a:r>
+                        <a:rPr lang="en-US" sz="2400" dirty="0" smtClean="0">
+                          <a:effectLst/>
+                        </a:rPr>
+                        <a:t>3,19</a:t>
+                      </a:r>
+                      <a:endParaRPr lang="it-IT" sz="2400" dirty="0">
+                        <a:solidFill>
+                          <a:srgbClr val="365F91"/>
+                        </a:solidFill>
+                        <a:effectLst/>
+                        <a:latin typeface="Calibri"/>
+                        <a:ea typeface="Calibri"/>
+                        <a:cs typeface="Times New Roman"/>
+                      </a:endParaRPr>
+                    </a:p>
+                  </a:txBody>
+                  <a:tcPr marL="68580" marR="68580" marT="0" marB="0" anchor="ctr"/>
+                </a:tc>
+                <a:tc>
+                  <a:txBody>
+                    <a:bodyPr/>
+                    <a:lstStyle/>
+                    <a:p>
+                      <a:pPr algn="ctr">
+                        <a:spcBef>
+                          <a:spcPts val="600"/>
+                        </a:spcBef>
+                        <a:spcAft>
+                          <a:spcPts val="600"/>
+                        </a:spcAft>
+                      </a:pPr>
+                      <a:r>
+                        <a:rPr lang="en-US" sz="2400" dirty="0" smtClean="0">
+                          <a:effectLst/>
+                        </a:rPr>
+                        <a:t>2,19</a:t>
+                      </a:r>
+                      <a:endParaRPr lang="it-IT" sz="2400" dirty="0">
+                        <a:solidFill>
+                          <a:srgbClr val="365F91"/>
+                        </a:solidFill>
+                        <a:effectLst/>
+                        <a:latin typeface="Calibri"/>
+                        <a:ea typeface="Calibri"/>
+                        <a:cs typeface="Times New Roman"/>
+                      </a:endParaRPr>
+                    </a:p>
+                  </a:txBody>
+                  <a:tcPr marL="68580" marR="68580" marT="0" marB="0" anchor="ctr"/>
+                </a:tc>
+                <a:tc>
+                  <a:txBody>
+                    <a:bodyPr/>
+                    <a:lstStyle/>
+                    <a:p>
+                      <a:pPr algn="ctr">
+                        <a:spcBef>
+                          <a:spcPts val="600"/>
+                        </a:spcBef>
+                        <a:spcAft>
+                          <a:spcPts val="600"/>
+                        </a:spcAft>
+                      </a:pPr>
+                      <a:r>
+                        <a:rPr lang="en-US" sz="2400" dirty="0" smtClean="0">
+                          <a:effectLst/>
+                        </a:rPr>
+                        <a:t>3,33</a:t>
+                      </a:r>
+                      <a:endParaRPr lang="it-IT" sz="2400" dirty="0">
+                        <a:solidFill>
+                          <a:srgbClr val="365F91"/>
+                        </a:solidFill>
+                        <a:effectLst/>
+                        <a:latin typeface="Calibri"/>
+                        <a:ea typeface="Calibri"/>
+                        <a:cs typeface="Times New Roman"/>
+                      </a:endParaRPr>
+                    </a:p>
+                  </a:txBody>
+                  <a:tcPr marL="68580" marR="68580" marT="0" marB="0" anchor="ctr"/>
+                </a:tc>
+                <a:tc>
+                  <a:txBody>
+                    <a:bodyPr/>
+                    <a:lstStyle/>
+                    <a:p>
+                      <a:pPr algn="ctr">
+                        <a:spcBef>
+                          <a:spcPts val="600"/>
+                        </a:spcBef>
+                        <a:spcAft>
+                          <a:spcPts val="600"/>
+                        </a:spcAft>
+                      </a:pPr>
+                      <a:r>
+                        <a:rPr lang="en-US" sz="2400" dirty="0" smtClean="0">
+                          <a:effectLst/>
+                        </a:rPr>
+                        <a:t>5,88</a:t>
+                      </a:r>
+                      <a:endParaRPr lang="it-IT" sz="2400" dirty="0">
+                        <a:solidFill>
+                          <a:srgbClr val="365F91"/>
+                        </a:solidFill>
+                        <a:effectLst/>
+                        <a:latin typeface="Calibri"/>
+                        <a:ea typeface="Calibri"/>
+                        <a:cs typeface="Times New Roman"/>
+                      </a:endParaRPr>
+                    </a:p>
+                  </a:txBody>
+                  <a:tcPr marL="68580" marR="68580" marT="0" marB="0" anchor="ctr"/>
+                </a:tc>
+                <a:tc>
+                  <a:txBody>
+                    <a:bodyPr/>
+                    <a:lstStyle/>
+                    <a:p>
+                      <a:pPr algn="ctr">
+                        <a:spcBef>
+                          <a:spcPts val="600"/>
+                        </a:spcBef>
+                        <a:spcAft>
+                          <a:spcPts val="600"/>
+                        </a:spcAft>
+                      </a:pPr>
+                      <a:r>
+                        <a:rPr lang="en-US" sz="2400" dirty="0" smtClean="0">
+                          <a:effectLst/>
+                        </a:rPr>
+                        <a:t>3,96</a:t>
+                      </a:r>
+                      <a:endParaRPr lang="it-IT" sz="2400" dirty="0">
+                        <a:solidFill>
+                          <a:srgbClr val="365F91"/>
+                        </a:solidFill>
+                        <a:effectLst/>
+                        <a:latin typeface="Calibri"/>
+                        <a:ea typeface="Calibri"/>
+                        <a:cs typeface="Times New Roman"/>
+                      </a:endParaRPr>
+                    </a:p>
+                  </a:txBody>
+                  <a:tcPr marL="68580" marR="68580" marT="0" marB="0" anchor="ctr"/>
+                </a:tc>
+                <a:tc>
+                  <a:txBody>
+                    <a:bodyPr/>
+                    <a:lstStyle/>
+                    <a:p>
+                      <a:pPr algn="ctr">
+                        <a:spcBef>
+                          <a:spcPts val="600"/>
+                        </a:spcBef>
+                        <a:spcAft>
+                          <a:spcPts val="600"/>
+                        </a:spcAft>
+                      </a:pPr>
+                      <a:r>
+                        <a:rPr lang="en-US" sz="2400" b="1" dirty="0" smtClean="0">
+                          <a:effectLst/>
+                        </a:rPr>
+                        <a:t>6,99</a:t>
+                      </a:r>
+                      <a:endParaRPr lang="it-IT" sz="2400" b="1" dirty="0">
+                        <a:solidFill>
+                          <a:srgbClr val="365F91"/>
+                        </a:solidFill>
+                        <a:effectLst/>
+                        <a:latin typeface="Calibri"/>
+                        <a:ea typeface="Calibri"/>
+                        <a:cs typeface="Times New Roman"/>
+                      </a:endParaRPr>
+                    </a:p>
+                  </a:txBody>
+                  <a:tcPr marL="68580" marR="68580" marT="0" marB="0" anchor="ctr"/>
+                </a:tc>
+              </a:tr>
+              <a:tr h="972108">
+                <a:tc>
+                  <a:txBody>
+                    <a:bodyPr/>
+                    <a:lstStyle/>
+                    <a:p>
+                      <a:pPr algn="ctr">
+                        <a:spcBef>
+                          <a:spcPts val="600"/>
+                        </a:spcBef>
+                        <a:spcAft>
+                          <a:spcPts val="600"/>
+                        </a:spcAft>
+                      </a:pPr>
+                      <a:r>
+                        <a:rPr lang="en-US" sz="1400" dirty="0">
+                          <a:effectLst/>
+                        </a:rPr>
+                        <a:t>Modified </a:t>
+                      </a:r>
+                      <a:endParaRPr lang="it-IT" sz="1400" dirty="0">
+                        <a:solidFill>
+                          <a:srgbClr val="365F91"/>
+                        </a:solidFill>
+                        <a:effectLst/>
+                        <a:latin typeface="Calibri"/>
+                        <a:ea typeface="Calibri"/>
+                        <a:cs typeface="Times New Roman"/>
+                      </a:endParaRPr>
+                    </a:p>
+                  </a:txBody>
+                  <a:tcPr marL="68580" marR="68580" marT="0" marB="0" vert="vert270" anchor="ctr"/>
+                </a:tc>
+                <a:tc>
+                  <a:txBody>
+                    <a:bodyPr/>
+                    <a:lstStyle/>
+                    <a:p>
+                      <a:pPr algn="ctr">
+                        <a:spcBef>
+                          <a:spcPts val="600"/>
+                        </a:spcBef>
+                        <a:spcAft>
+                          <a:spcPts val="600"/>
+                        </a:spcAft>
+                      </a:pPr>
+                      <a:r>
+                        <a:rPr lang="en-US" sz="2400" dirty="0" smtClean="0">
+                          <a:effectLst/>
+                        </a:rPr>
+                        <a:t>3.24</a:t>
+                      </a:r>
+                      <a:endParaRPr lang="it-IT" sz="2400" dirty="0">
+                        <a:solidFill>
+                          <a:srgbClr val="365F91"/>
+                        </a:solidFill>
+                        <a:effectLst/>
+                        <a:latin typeface="Calibri"/>
+                        <a:ea typeface="Calibri"/>
+                        <a:cs typeface="Times New Roman"/>
+                      </a:endParaRPr>
+                    </a:p>
+                  </a:txBody>
+                  <a:tcPr marL="68580" marR="68580" marT="0" marB="0" anchor="ctr"/>
+                </a:tc>
+                <a:tc>
+                  <a:txBody>
+                    <a:bodyPr/>
+                    <a:lstStyle/>
+                    <a:p>
+                      <a:pPr algn="ctr">
+                        <a:spcBef>
+                          <a:spcPts val="600"/>
+                        </a:spcBef>
+                        <a:spcAft>
+                          <a:spcPts val="600"/>
+                        </a:spcAft>
+                      </a:pPr>
+                      <a:r>
+                        <a:rPr lang="it-IT" sz="2400" dirty="0" smtClean="0">
+                          <a:solidFill>
+                            <a:schemeClr val="tx1"/>
+                          </a:solidFill>
+                          <a:effectLst/>
+                          <a:latin typeface="+mj-lt"/>
+                          <a:ea typeface="Calibri"/>
+                          <a:cs typeface="Times New Roman"/>
+                        </a:rPr>
+                        <a:t>2,49</a:t>
+                      </a:r>
+                      <a:endParaRPr lang="it-IT" sz="2400" dirty="0">
+                        <a:solidFill>
+                          <a:schemeClr val="tx1"/>
+                        </a:solidFill>
+                        <a:effectLst/>
+                        <a:latin typeface="+mj-lt"/>
+                        <a:ea typeface="Calibri"/>
+                        <a:cs typeface="Times New Roman"/>
+                      </a:endParaRPr>
+                    </a:p>
+                  </a:txBody>
+                  <a:tcPr marL="68580" marR="68580" marT="0" marB="0" anchor="ctr"/>
+                </a:tc>
+                <a:tc>
+                  <a:txBody>
+                    <a:bodyPr/>
+                    <a:lstStyle/>
+                    <a:p>
+                      <a:pPr algn="ctr">
+                        <a:spcBef>
+                          <a:spcPts val="600"/>
+                        </a:spcBef>
+                        <a:spcAft>
+                          <a:spcPts val="600"/>
+                        </a:spcAft>
+                      </a:pPr>
+                      <a:r>
+                        <a:rPr lang="en-US" sz="2400" dirty="0" smtClean="0">
+                          <a:solidFill>
+                            <a:schemeClr val="tx1"/>
+                          </a:solidFill>
+                          <a:effectLst/>
+                          <a:latin typeface="+mj-lt"/>
+                        </a:rPr>
+                        <a:t>3,34</a:t>
+                      </a:r>
+                      <a:endParaRPr lang="it-IT" sz="2400" dirty="0">
+                        <a:solidFill>
+                          <a:schemeClr val="tx1"/>
+                        </a:solidFill>
+                        <a:effectLst/>
+                        <a:latin typeface="+mj-lt"/>
+                        <a:ea typeface="Calibri"/>
+                        <a:cs typeface="Times New Roman"/>
+                      </a:endParaRPr>
+                    </a:p>
+                  </a:txBody>
+                  <a:tcPr marL="68580" marR="68580" marT="0" marB="0" anchor="ctr"/>
+                </a:tc>
+                <a:tc>
+                  <a:txBody>
+                    <a:bodyPr/>
+                    <a:lstStyle/>
+                    <a:p>
+                      <a:pPr algn="ctr">
+                        <a:spcBef>
+                          <a:spcPts val="600"/>
+                        </a:spcBef>
+                        <a:spcAft>
+                          <a:spcPts val="600"/>
+                        </a:spcAft>
+                      </a:pPr>
+                      <a:r>
+                        <a:rPr lang="en-US" sz="2400" dirty="0" smtClean="0">
+                          <a:solidFill>
+                            <a:schemeClr val="tx1"/>
+                          </a:solidFill>
+                          <a:effectLst/>
+                          <a:latin typeface="+mj-lt"/>
+                        </a:rPr>
+                        <a:t>2,07</a:t>
+                      </a:r>
+                      <a:endParaRPr lang="it-IT" sz="2400" dirty="0">
+                        <a:solidFill>
+                          <a:schemeClr val="tx1"/>
+                        </a:solidFill>
+                        <a:effectLst/>
+                        <a:latin typeface="+mj-lt"/>
+                        <a:ea typeface="Calibri"/>
+                        <a:cs typeface="Times New Roman"/>
+                      </a:endParaRPr>
+                    </a:p>
+                  </a:txBody>
+                  <a:tcPr marL="68580" marR="68580" marT="0" marB="0" anchor="ctr"/>
+                </a:tc>
+                <a:tc>
+                  <a:txBody>
+                    <a:bodyPr/>
+                    <a:lstStyle/>
+                    <a:p>
+                      <a:pPr algn="ctr">
+                        <a:spcBef>
+                          <a:spcPts val="600"/>
+                        </a:spcBef>
+                        <a:spcAft>
+                          <a:spcPts val="600"/>
+                        </a:spcAft>
+                      </a:pPr>
+                      <a:r>
+                        <a:rPr lang="it-IT" sz="2400" dirty="0" smtClean="0">
+                          <a:solidFill>
+                            <a:schemeClr val="tx1"/>
+                          </a:solidFill>
+                          <a:effectLst/>
+                          <a:latin typeface="+mj-lt"/>
+                          <a:ea typeface="Calibri"/>
+                          <a:cs typeface="Times New Roman"/>
+                        </a:rPr>
+                        <a:t>8,05</a:t>
+                      </a:r>
+                      <a:endParaRPr lang="it-IT" sz="2400" dirty="0">
+                        <a:solidFill>
+                          <a:schemeClr val="tx1"/>
+                        </a:solidFill>
+                        <a:effectLst/>
+                        <a:latin typeface="+mj-lt"/>
+                        <a:ea typeface="Calibri"/>
+                        <a:cs typeface="Times New Roman"/>
+                      </a:endParaRPr>
+                    </a:p>
+                  </a:txBody>
+                  <a:tcPr marL="68580" marR="68580" marT="0" marB="0" anchor="ctr"/>
+                </a:tc>
+                <a:tc>
+                  <a:txBody>
+                    <a:bodyPr/>
+                    <a:lstStyle/>
+                    <a:p>
+                      <a:pPr algn="ctr">
+                        <a:spcBef>
+                          <a:spcPts val="600"/>
+                        </a:spcBef>
+                        <a:spcAft>
+                          <a:spcPts val="600"/>
+                        </a:spcAft>
+                      </a:pPr>
+                      <a:r>
+                        <a:rPr lang="en-US" sz="2400" dirty="0" smtClean="0">
+                          <a:solidFill>
+                            <a:schemeClr val="tx1"/>
+                          </a:solidFill>
+                          <a:effectLst/>
+                          <a:latin typeface="+mj-lt"/>
+                        </a:rPr>
+                        <a:t>6,69</a:t>
+                      </a:r>
+                      <a:endParaRPr lang="it-IT" sz="2400" dirty="0">
+                        <a:solidFill>
+                          <a:schemeClr val="tx1"/>
+                        </a:solidFill>
+                        <a:effectLst/>
+                        <a:latin typeface="+mj-lt"/>
+                        <a:ea typeface="Calibri"/>
+                        <a:cs typeface="Times New Roman"/>
+                      </a:endParaRPr>
+                    </a:p>
+                  </a:txBody>
+                  <a:tcPr marL="68580" marR="68580" marT="0" marB="0" anchor="ctr"/>
+                </a:tc>
+                <a:tc>
+                  <a:txBody>
+                    <a:bodyPr/>
+                    <a:lstStyle/>
+                    <a:p>
+                      <a:pPr algn="ctr">
+                        <a:spcBef>
+                          <a:spcPts val="600"/>
+                        </a:spcBef>
+                        <a:spcAft>
+                          <a:spcPts val="600"/>
+                        </a:spcAft>
+                      </a:pPr>
+                      <a:r>
+                        <a:rPr lang="en-US" sz="2400" dirty="0" smtClean="0">
+                          <a:effectLst/>
+                        </a:rPr>
+                        <a:t>8,32</a:t>
+                      </a:r>
+                      <a:endParaRPr lang="it-IT" sz="2400" dirty="0">
+                        <a:solidFill>
+                          <a:srgbClr val="365F91"/>
+                        </a:solidFill>
+                        <a:effectLst/>
+                        <a:latin typeface="Calibri"/>
+                        <a:ea typeface="Calibri"/>
+                        <a:cs typeface="Times New Roman"/>
+                      </a:endParaRPr>
+                    </a:p>
+                  </a:txBody>
+                  <a:tcPr marL="68580" marR="68580" marT="0" marB="0" anchor="ctr"/>
+                </a:tc>
+                <a:tc>
+                  <a:txBody>
+                    <a:bodyPr/>
+                    <a:lstStyle/>
+                    <a:p>
+                      <a:pPr algn="ctr">
+                        <a:spcBef>
+                          <a:spcPts val="600"/>
+                        </a:spcBef>
+                        <a:spcAft>
+                          <a:spcPts val="600"/>
+                        </a:spcAft>
+                      </a:pPr>
+                      <a:r>
+                        <a:rPr lang="en-US" sz="2400" b="1" dirty="0" smtClean="0">
+                          <a:effectLst/>
+                        </a:rPr>
+                        <a:t>6,92</a:t>
+                      </a:r>
+                      <a:endParaRPr lang="it-IT" sz="2400" b="1" dirty="0">
+                        <a:solidFill>
+                          <a:srgbClr val="365F91"/>
+                        </a:solidFill>
+                        <a:effectLst/>
+                        <a:latin typeface="Calibri"/>
+                        <a:ea typeface="Calibri"/>
+                        <a:cs typeface="Times New Roman"/>
+                      </a:endParaRPr>
+                    </a:p>
+                  </a:txBody>
+                  <a:tcPr marL="68580" marR="68580" marT="0" marB="0" anchor="ctr"/>
+                </a:tc>
+              </a:tr>
+              <a:tr h="1404156">
+                <a:tc>
+                  <a:txBody>
+                    <a:bodyPr/>
+                    <a:lstStyle/>
+                    <a:p>
+                      <a:pPr algn="ctr">
+                        <a:spcBef>
+                          <a:spcPts val="600"/>
+                        </a:spcBef>
+                        <a:spcAft>
+                          <a:spcPts val="600"/>
+                        </a:spcAft>
+                      </a:pPr>
+                      <a:r>
+                        <a:rPr lang="en-US" sz="1400" dirty="0">
+                          <a:effectLst/>
+                        </a:rPr>
+                        <a:t>Improvements</a:t>
+                      </a:r>
+                      <a:endParaRPr lang="it-IT" sz="1400" dirty="0">
+                        <a:solidFill>
+                          <a:srgbClr val="365F91"/>
+                        </a:solidFill>
+                        <a:effectLst/>
+                        <a:latin typeface="Calibri"/>
+                        <a:ea typeface="Calibri"/>
+                        <a:cs typeface="Times New Roman"/>
+                      </a:endParaRPr>
+                    </a:p>
+                  </a:txBody>
+                  <a:tcPr marL="68580" marR="68580" marT="0" marB="0" vert="vert270" anchor="ctr"/>
+                </a:tc>
+                <a:tc>
+                  <a:txBody>
+                    <a:bodyPr/>
+                    <a:lstStyle/>
+                    <a:p>
+                      <a:pPr algn="ctr">
+                        <a:spcBef>
+                          <a:spcPts val="600"/>
+                        </a:spcBef>
+                        <a:spcAft>
+                          <a:spcPts val="600"/>
+                        </a:spcAft>
+                      </a:pPr>
+                      <a:r>
+                        <a:rPr lang="en-US" sz="2400" dirty="0" smtClean="0">
+                          <a:solidFill>
+                            <a:srgbClr val="FF0000"/>
+                          </a:solidFill>
+                          <a:effectLst/>
+                        </a:rPr>
+                        <a:t>-21%</a:t>
+                      </a:r>
+                      <a:endParaRPr lang="it-IT" sz="2400" dirty="0">
+                        <a:solidFill>
+                          <a:srgbClr val="FF0000"/>
+                        </a:solidFill>
+                        <a:effectLst/>
+                        <a:latin typeface="Calibri"/>
+                        <a:ea typeface="Calibri"/>
+                        <a:cs typeface="Times New Roman"/>
+                      </a:endParaRPr>
+                    </a:p>
+                  </a:txBody>
+                  <a:tcPr marL="68580" marR="68580" marT="0" marB="0" anchor="ctr"/>
+                </a:tc>
+                <a:tc>
+                  <a:txBody>
+                    <a:bodyPr/>
+                    <a:lstStyle/>
+                    <a:p>
+                      <a:pPr algn="ctr">
+                        <a:spcBef>
+                          <a:spcPts val="600"/>
+                        </a:spcBef>
+                        <a:spcAft>
+                          <a:spcPts val="600"/>
+                        </a:spcAft>
+                      </a:pPr>
+                      <a:r>
+                        <a:rPr lang="it-IT" sz="2400" dirty="0" smtClean="0">
+                          <a:solidFill>
+                            <a:srgbClr val="FF0000"/>
+                          </a:solidFill>
+                          <a:effectLst/>
+                          <a:latin typeface="+mj-lt"/>
+                          <a:ea typeface="Calibri"/>
+                          <a:cs typeface="Times New Roman"/>
+                        </a:rPr>
+                        <a:t>-100%</a:t>
+                      </a:r>
+                      <a:endParaRPr lang="it-IT" sz="2400" dirty="0">
+                        <a:solidFill>
+                          <a:srgbClr val="FF0000"/>
+                        </a:solidFill>
+                        <a:effectLst/>
+                        <a:latin typeface="+mj-lt"/>
+                        <a:ea typeface="Calibri"/>
+                        <a:cs typeface="Times New Roman"/>
+                      </a:endParaRPr>
+                    </a:p>
+                  </a:txBody>
+                  <a:tcPr marL="68580" marR="68580" marT="0" marB="0" anchor="ctr"/>
+                </a:tc>
+                <a:tc>
+                  <a:txBody>
+                    <a:bodyPr/>
+                    <a:lstStyle/>
+                    <a:p>
+                      <a:pPr algn="ctr">
+                        <a:spcBef>
+                          <a:spcPts val="600"/>
+                        </a:spcBef>
+                        <a:spcAft>
+                          <a:spcPts val="600"/>
+                        </a:spcAft>
+                      </a:pPr>
+                      <a:r>
+                        <a:rPr lang="en-US" sz="2400" dirty="0" smtClean="0">
+                          <a:solidFill>
+                            <a:srgbClr val="FF0000"/>
+                          </a:solidFill>
+                          <a:effectLst/>
+                        </a:rPr>
+                        <a:t>-5%</a:t>
+                      </a:r>
+                      <a:endParaRPr lang="it-IT" sz="2400" dirty="0">
+                        <a:solidFill>
+                          <a:srgbClr val="FF0000"/>
+                        </a:solidFill>
+                        <a:effectLst/>
+                        <a:latin typeface="Calibri"/>
+                        <a:ea typeface="Calibri"/>
+                        <a:cs typeface="Times New Roman"/>
+                      </a:endParaRPr>
+                    </a:p>
+                  </a:txBody>
+                  <a:tcPr marL="68580" marR="68580" marT="0" marB="0" anchor="ctr"/>
+                </a:tc>
+                <a:tc>
+                  <a:txBody>
+                    <a:bodyPr/>
+                    <a:lstStyle/>
+                    <a:p>
+                      <a:pPr algn="ctr">
+                        <a:spcBef>
+                          <a:spcPts val="600"/>
+                        </a:spcBef>
+                        <a:spcAft>
+                          <a:spcPts val="600"/>
+                        </a:spcAft>
+                      </a:pPr>
+                      <a:r>
+                        <a:rPr lang="en-US" sz="2400" dirty="0" smtClean="0">
+                          <a:solidFill>
+                            <a:schemeClr val="accent4">
+                              <a:lumMod val="75000"/>
+                            </a:schemeClr>
+                          </a:solidFill>
+                          <a:effectLst/>
+                        </a:rPr>
+                        <a:t>6%</a:t>
+                      </a:r>
+                      <a:endParaRPr lang="it-IT" sz="2400" dirty="0">
+                        <a:solidFill>
+                          <a:schemeClr val="accent4">
+                            <a:lumMod val="75000"/>
+                          </a:schemeClr>
+                        </a:solidFill>
+                        <a:effectLst/>
+                        <a:latin typeface="Calibri"/>
+                        <a:ea typeface="Calibri"/>
+                        <a:cs typeface="Times New Roman"/>
+                      </a:endParaRPr>
+                    </a:p>
+                  </a:txBody>
+                  <a:tcPr marL="68580" marR="68580" marT="0" marB="0" anchor="ctr"/>
+                </a:tc>
+                <a:tc>
+                  <a:txBody>
+                    <a:bodyPr/>
+                    <a:lstStyle/>
+                    <a:p>
+                      <a:pPr algn="ctr">
+                        <a:spcBef>
+                          <a:spcPts val="600"/>
+                        </a:spcBef>
+                        <a:spcAft>
+                          <a:spcPts val="600"/>
+                        </a:spcAft>
+                      </a:pPr>
+                      <a:r>
+                        <a:rPr lang="en-US" sz="2400" dirty="0" smtClean="0">
+                          <a:solidFill>
+                            <a:srgbClr val="FF0000"/>
+                          </a:solidFill>
+                          <a:effectLst/>
+                        </a:rPr>
+                        <a:t>-142%</a:t>
+                      </a:r>
+                      <a:endParaRPr lang="it-IT" sz="2400" dirty="0">
+                        <a:solidFill>
+                          <a:srgbClr val="FF0000"/>
+                        </a:solidFill>
+                        <a:effectLst/>
+                        <a:latin typeface="Calibri"/>
+                        <a:ea typeface="Calibri"/>
+                        <a:cs typeface="Times New Roman"/>
+                      </a:endParaRPr>
+                    </a:p>
+                  </a:txBody>
+                  <a:tcPr marL="68580" marR="68580" marT="0" marB="0" anchor="ctr"/>
+                </a:tc>
+                <a:tc>
+                  <a:txBody>
+                    <a:bodyPr/>
+                    <a:lstStyle/>
+                    <a:p>
+                      <a:pPr algn="ctr">
+                        <a:spcBef>
+                          <a:spcPts val="600"/>
+                        </a:spcBef>
+                        <a:spcAft>
+                          <a:spcPts val="600"/>
+                        </a:spcAft>
+                      </a:pPr>
+                      <a:r>
+                        <a:rPr lang="en-US" sz="2400" dirty="0" smtClean="0">
+                          <a:solidFill>
+                            <a:srgbClr val="FF0000"/>
+                          </a:solidFill>
+                          <a:effectLst/>
+                        </a:rPr>
+                        <a:t>-14%</a:t>
+                      </a:r>
+                      <a:endParaRPr lang="it-IT" sz="2400" dirty="0">
+                        <a:solidFill>
+                          <a:srgbClr val="FF0000"/>
+                        </a:solidFill>
+                        <a:effectLst/>
+                        <a:latin typeface="Calibri"/>
+                        <a:ea typeface="Calibri"/>
+                        <a:cs typeface="Times New Roman"/>
+                      </a:endParaRPr>
+                    </a:p>
+                  </a:txBody>
+                  <a:tcPr marL="68580" marR="68580" marT="0" marB="0" anchor="ctr"/>
+                </a:tc>
+                <a:tc>
+                  <a:txBody>
+                    <a:bodyPr/>
+                    <a:lstStyle/>
+                    <a:p>
+                      <a:pPr algn="ctr">
+                        <a:spcBef>
+                          <a:spcPts val="600"/>
+                        </a:spcBef>
+                        <a:spcAft>
+                          <a:spcPts val="600"/>
+                        </a:spcAft>
+                      </a:pPr>
+                      <a:r>
+                        <a:rPr lang="en-US" sz="2400" dirty="0" smtClean="0">
+                          <a:solidFill>
+                            <a:srgbClr val="FF0000"/>
+                          </a:solidFill>
+                          <a:effectLst/>
+                        </a:rPr>
+                        <a:t>-110%</a:t>
+                      </a:r>
+                      <a:endParaRPr lang="it-IT" sz="2400" dirty="0">
+                        <a:solidFill>
+                          <a:srgbClr val="FF0000"/>
+                        </a:solidFill>
+                        <a:effectLst/>
+                        <a:latin typeface="Calibri"/>
+                        <a:ea typeface="Calibri"/>
+                        <a:cs typeface="Times New Roman"/>
+                      </a:endParaRPr>
+                    </a:p>
+                  </a:txBody>
+                  <a:tcPr marL="68580" marR="68580" marT="0" marB="0" anchor="ctr"/>
+                </a:tc>
+                <a:tc>
+                  <a:txBody>
+                    <a:bodyPr/>
+                    <a:lstStyle/>
+                    <a:p>
+                      <a:pPr algn="ctr">
+                        <a:spcBef>
+                          <a:spcPts val="600"/>
+                        </a:spcBef>
+                        <a:spcAft>
+                          <a:spcPts val="600"/>
+                        </a:spcAft>
+                      </a:pPr>
+                      <a:r>
+                        <a:rPr lang="en-US" sz="2400" b="1" dirty="0" smtClean="0">
+                          <a:solidFill>
+                            <a:schemeClr val="accent4">
+                              <a:lumMod val="75000"/>
+                            </a:schemeClr>
+                          </a:solidFill>
+                          <a:effectLst/>
+                        </a:rPr>
+                        <a:t>1%</a:t>
+                      </a:r>
+                      <a:endParaRPr lang="it-IT" sz="2400" b="1" dirty="0">
+                        <a:solidFill>
+                          <a:schemeClr val="accent4">
+                            <a:lumMod val="75000"/>
+                          </a:schemeClr>
+                        </a:solidFill>
+                        <a:effectLst/>
+                        <a:latin typeface="Calibri"/>
+                        <a:ea typeface="Calibri"/>
+                        <a:cs typeface="Times New Roman"/>
+                      </a:endParaRPr>
+                    </a:p>
+                  </a:txBody>
+                  <a:tcPr marL="68580" marR="68580" marT="0" marB="0" anchor="ctr"/>
+                </a:tc>
+              </a:tr>
+            </a:tbl>
+          </a:graphicData>
+        </a:graphic>
+      </p:graphicFrame>
+    </p:spTree>
+    <p:extLst>
+      <p:ext uri="{BB962C8B-B14F-4D97-AF65-F5344CB8AC3E}">
+        <p14:creationId xmlns:p14="http://schemas.microsoft.com/office/powerpoint/2010/main" val="1129219984"/>
+      </p:ext>
+    </p:extLst>
+  </p:cSld>
+  <p:clrMapOvr>
+    <a:masterClrMapping/>
+  </p:clrMapOvr>
+  <p:timing>
+    <p:tnLst>
+      <p:par>
+        <p:cTn id="1" dur="indefinite" restart="never" nodeType="tmRoot"/>
+      </p:par>
+    </p:tnLst>
+  </p:timing>
+</p:sld>
+</file>
+
+<file path=ppt/slides/slide13.xml><?xml version="1.0" encoding="utf-8"?>
+<p:sld xmlns:a="http://schemas.openxmlformats.org/drawingml/2006/main" xmlns:r="http://schemas.openxmlformats.org/officeDocument/2006/relationships" xmlns:p="http://schemas.openxmlformats.org/presentationml/2006/main">
+  <p:cSld>
+    <p:spTree>
+      <p:nvGrpSpPr>
+        <p:cNvPr id="1" name=""/>
+        <p:cNvGrpSpPr/>
+        <p:nvPr/>
+      </p:nvGrpSpPr>
+      <p:grpSpPr>
+        <a:xfrm>
+          <a:off x="0" y="0"/>
+          <a:ext cx="0" cy="0"/>
+          <a:chOff x="0" y="0"/>
+          <a:chExt cx="0" cy="0"/>
+        </a:xfrm>
+      </p:grpSpPr>
+      <p:sp>
+        <p:nvSpPr>
+          <p:cNvPr id="2" name="Titolo 1"/>
+          <p:cNvSpPr>
+            <a:spLocks noGrp="1"/>
+          </p:cNvSpPr>
+          <p:nvPr>
+            <p:ph type="title"/>
+          </p:nvPr>
+        </p:nvSpPr>
+        <p:spPr/>
+        <p:txBody>
+          <a:bodyPr/>
+          <a:lstStyle/>
+          <a:p>
+            <a:r>
+              <a:rPr lang="it-IT" dirty="0" err="1" smtClean="0"/>
+              <a:t>Furhter</a:t>
+            </a:r>
+            <a:r>
+              <a:rPr lang="it-IT" dirty="0" smtClean="0"/>
+              <a:t> </a:t>
+            </a:r>
+            <a:r>
+              <a:rPr lang="it-IT" dirty="0" err="1" smtClean="0"/>
+              <a:t>Improvements</a:t>
+            </a:r>
+            <a:endParaRPr lang="it-IT" dirty="0"/>
+          </a:p>
+        </p:txBody>
+      </p:sp>
+      <p:sp>
+        <p:nvSpPr>
+          <p:cNvPr id="3" name="Segnaposto contenuto 2"/>
+          <p:cNvSpPr>
+            <a:spLocks noGrp="1"/>
+          </p:cNvSpPr>
+          <p:nvPr>
+            <p:ph idx="1"/>
+          </p:nvPr>
+        </p:nvSpPr>
+        <p:spPr/>
+        <p:txBody>
+          <a:bodyPr/>
+          <a:lstStyle/>
+          <a:p>
+            <a:r>
               <a:rPr lang="it-IT" dirty="0" smtClean="0"/>
               <a:t>Cache </a:t>
             </a:r>
@@ -7342,6 +9025,13 @@
   <p:clrMapOvr>
     <a:masterClrMapping/>
   </p:clrMapOvr>
+  <p:timing>
+    <p:tnLst>
+      <p:par>
+        <p:cTn id="1" dur="indefinite" restart="never" nodeType="tmRoot"/>
+      </p:par>
+    </p:tnLst>
+  </p:timing>
 </p:sld>
 </file>
 
@@ -7504,6 +9194,13 @@
   <p:clrMapOvr>
     <a:masterClrMapping/>
   </p:clrMapOvr>
+  <p:timing>
+    <p:tnLst>
+      <p:par>
+        <p:cTn id="1" dur="indefinite" restart="never" nodeType="tmRoot"/>
+      </p:par>
+    </p:tnLst>
+  </p:timing>
 </p:sld>
 </file>
 
@@ -7576,6 +9273,13 @@
   <p:clrMapOvr>
     <a:masterClrMapping/>
   </p:clrMapOvr>
+  <p:timing>
+    <p:tnLst>
+      <p:par>
+        <p:cTn id="1" dur="indefinite" restart="never" nodeType="tmRoot"/>
+      </p:par>
+    </p:tnLst>
+  </p:timing>
 </p:sld>
 </file>
 
@@ -7853,6 +9557,13 @@
   <p:clrMapOvr>
     <a:masterClrMapping/>
   </p:clrMapOvr>
+  <p:timing>
+    <p:tnLst>
+      <p:par>
+        <p:cTn id="1" dur="indefinite" restart="never" nodeType="tmRoot"/>
+      </p:par>
+    </p:tnLst>
+  </p:timing>
 </p:sld>
 </file>
 
@@ -7932,6 +9643,13 @@
   <p:clrMapOvr>
     <a:masterClrMapping/>
   </p:clrMapOvr>
+  <p:timing>
+    <p:tnLst>
+      <p:par>
+        <p:cTn id="1" dur="indefinite" restart="never" nodeType="tmRoot"/>
+      </p:par>
+    </p:tnLst>
+  </p:timing>
 </p:sld>
 </file>
 
@@ -8129,6 +9847,13 @@
   <p:clrMapOvr>
     <a:masterClrMapping/>
   </p:clrMapOvr>
+  <p:timing>
+    <p:tnLst>
+      <p:par>
+        <p:cTn id="1" dur="indefinite" restart="never" nodeType="tmRoot"/>
+      </p:par>
+    </p:tnLst>
+  </p:timing>
 </p:sld>
 </file>
 
@@ -8305,6 +10030,13 @@
   <p:clrMapOvr>
     <a:masterClrMapping/>
   </p:clrMapOvr>
+  <p:timing>
+    <p:tnLst>
+      <p:par>
+        <p:cTn id="1" dur="indefinite" restart="never" nodeType="tmRoot"/>
+      </p:par>
+    </p:tnLst>
+  </p:timing>
 </p:sld>
 </file>
 
@@ -8429,6 +10161,13 @@
   <p:clrMapOvr>
     <a:masterClrMapping/>
   </p:clrMapOvr>
+  <p:timing>
+    <p:tnLst>
+      <p:par>
+        <p:cTn id="1" dur="indefinite" restart="never" nodeType="tmRoot"/>
+      </p:par>
+    </p:tnLst>
+  </p:timing>
 </p:sld>
 </file>
 
@@ -8530,14 +10269,14 @@
           <p:nvPr>
             <p:extLst>
               <p:ext uri="{D42A27DB-BD31-4B8C-83A1-F6EECF244321}">
-                <p14:modId xmlns:p14="http://schemas.microsoft.com/office/powerpoint/2010/main" val="1195797189"/>
+                <p14:modId xmlns:p14="http://schemas.microsoft.com/office/powerpoint/2010/main" val="1350746564"/>
               </p:ext>
             </p:extLst>
           </p:nvPr>
         </p:nvGraphicFramePr>
         <p:xfrm>
           <a:off x="1115616" y="1412776"/>
-          <a:ext cx="7920880" cy="2393090"/>
+          <a:ext cx="7920880" cy="3361035"/>
         </p:xfrm>
         <a:graphic>
           <a:graphicData uri="http://schemas.openxmlformats.org/drawingml/2006/table">
@@ -8905,7 +10644,15 @@
                     <a:p>
                       <a:r>
                         <a:rPr lang="it-IT" dirty="0" err="1" smtClean="0"/>
-                        <a:t>Modified</a:t>
+                        <a:t>Only</a:t>
+                      </a:r>
+                      <a:r>
+                        <a:rPr lang="it-IT" baseline="0" dirty="0" smtClean="0"/>
+                        <a:t> </a:t>
+                      </a:r>
+                      <a:r>
+                        <a:rPr lang="it-IT" baseline="0" dirty="0" err="1" smtClean="0"/>
+                        <a:t>Div</a:t>
                       </a:r>
                       <a:endParaRPr lang="it-IT" dirty="0"/>
                     </a:p>
@@ -9061,6 +10808,211 @@
                           <a:effectLst/>
                         </a:rPr>
                         <a:t>0,03987</a:t>
+                      </a:r>
+                      <a:endParaRPr lang="it-IT" sz="1600" b="0" i="0" u="none" strike="noStrike" dirty="0">
+                        <a:solidFill>
+                          <a:srgbClr val="000000"/>
+                        </a:solidFill>
+                        <a:effectLst/>
+                        <a:latin typeface="Calibri"/>
+                      </a:endParaRPr>
+                    </a:p>
+                  </a:txBody>
+                  <a:tcPr marL="9525" marR="9525" marT="9525" marB="0" anchor="ctr"/>
+                </a:tc>
+              </a:tr>
+              <a:tr h="967945">
+                <a:tc>
+                  <a:txBody>
+                    <a:bodyPr/>
+                    <a:lstStyle/>
+                    <a:p>
+                      <a:r>
+                        <a:rPr lang="it-IT" dirty="0" err="1" smtClean="0"/>
+                        <a:t>Div+Mul</a:t>
+                      </a:r>
+                      <a:endParaRPr lang="it-IT" dirty="0"/>
+                    </a:p>
+                  </a:txBody>
+                  <a:tcPr anchor="ctr"/>
+                </a:tc>
+                <a:tc>
+                  <a:txBody>
+                    <a:bodyPr/>
+                    <a:lstStyle/>
+                    <a:p>
+                      <a:pPr algn="ctr" fontAlgn="ctr"/>
+                      <a:r>
+                        <a:rPr lang="it-IT" sz="1600" b="0" i="0" u="none" strike="noStrike" dirty="0" smtClean="0">
+                          <a:solidFill>
+                            <a:srgbClr val="000000"/>
+                          </a:solidFill>
+                          <a:effectLst/>
+                          <a:latin typeface="Calibri"/>
+                        </a:rPr>
+                        <a:t>40,197</a:t>
+                      </a:r>
+                      <a:endParaRPr lang="it-IT" sz="1600" b="0" i="0" u="none" strike="noStrike" dirty="0">
+                        <a:solidFill>
+                          <a:srgbClr val="000000"/>
+                        </a:solidFill>
+                        <a:effectLst/>
+                        <a:latin typeface="Calibri"/>
+                      </a:endParaRPr>
+                    </a:p>
+                  </a:txBody>
+                  <a:tcPr marL="9525" marR="9525" marT="9525" marB="0" anchor="ctr"/>
+                </a:tc>
+                <a:tc>
+                  <a:txBody>
+                    <a:bodyPr/>
+                    <a:lstStyle/>
+                    <a:p>
+                      <a:pPr algn="ctr" fontAlgn="ctr"/>
+                      <a:r>
+                        <a:rPr lang="it-IT" sz="1600" b="0" i="0" u="none" strike="noStrike" dirty="0" smtClean="0">
+                          <a:solidFill>
+                            <a:srgbClr val="000000"/>
+                          </a:solidFill>
+                          <a:effectLst/>
+                          <a:latin typeface="Calibri"/>
+                        </a:rPr>
+                        <a:t>11886</a:t>
+                      </a:r>
+                      <a:endParaRPr lang="it-IT" sz="1600" b="0" i="0" u="none" strike="noStrike" dirty="0">
+                        <a:solidFill>
+                          <a:srgbClr val="000000"/>
+                        </a:solidFill>
+                        <a:effectLst/>
+                        <a:latin typeface="Calibri"/>
+                      </a:endParaRPr>
+                    </a:p>
+                  </a:txBody>
+                  <a:tcPr marL="9525" marR="9525" marT="9525" marB="0" anchor="ctr"/>
+                </a:tc>
+                <a:tc>
+                  <a:txBody>
+                    <a:bodyPr/>
+                    <a:lstStyle/>
+                    <a:p>
+                      <a:pPr algn="ctr" fontAlgn="ctr"/>
+                      <a:r>
+                        <a:rPr lang="it-IT" sz="1600" b="0" i="0" u="none" strike="noStrike" dirty="0" smtClean="0">
+                          <a:solidFill>
+                            <a:srgbClr val="000000"/>
+                          </a:solidFill>
+                          <a:effectLst/>
+                          <a:latin typeface="Calibri"/>
+                        </a:rPr>
+                        <a:t>20469</a:t>
+                      </a:r>
+                      <a:endParaRPr lang="it-IT" sz="1600" b="0" i="0" u="none" strike="noStrike" dirty="0">
+                        <a:solidFill>
+                          <a:srgbClr val="000000"/>
+                        </a:solidFill>
+                        <a:effectLst/>
+                        <a:latin typeface="Calibri"/>
+                      </a:endParaRPr>
+                    </a:p>
+                  </a:txBody>
+                  <a:tcPr marL="9525" marR="9525" marT="9525" marB="0" anchor="ctr"/>
+                </a:tc>
+                <a:tc>
+                  <a:txBody>
+                    <a:bodyPr/>
+                    <a:lstStyle/>
+                    <a:p>
+                      <a:pPr algn="ctr" fontAlgn="ctr"/>
+                      <a:r>
+                        <a:rPr lang="it-IT" sz="1600" b="0" i="0" u="none" strike="noStrike" dirty="0" smtClean="0">
+                          <a:solidFill>
+                            <a:srgbClr val="000000"/>
+                          </a:solidFill>
+                          <a:effectLst/>
+                          <a:latin typeface="Calibri"/>
+                        </a:rPr>
+                        <a:t>2,511</a:t>
+                      </a:r>
+                      <a:endParaRPr lang="it-IT" sz="1600" b="0" i="0" u="none" strike="noStrike" dirty="0">
+                        <a:solidFill>
+                          <a:srgbClr val="000000"/>
+                        </a:solidFill>
+                        <a:effectLst/>
+                        <a:latin typeface="Calibri"/>
+                      </a:endParaRPr>
+                    </a:p>
+                  </a:txBody>
+                  <a:tcPr marL="9525" marR="9525" marT="9525" marB="0" anchor="ctr"/>
+                </a:tc>
+                <a:tc>
+                  <a:txBody>
+                    <a:bodyPr/>
+                    <a:lstStyle/>
+                    <a:p>
+                      <a:pPr algn="ctr" fontAlgn="ctr"/>
+                      <a:r>
+                        <a:rPr lang="it-IT" sz="1600" b="0" i="0" u="none" strike="noStrike" dirty="0" smtClean="0">
+                          <a:solidFill>
+                            <a:srgbClr val="000000"/>
+                          </a:solidFill>
+                          <a:effectLst/>
+                          <a:latin typeface="Calibri"/>
+                        </a:rPr>
+                        <a:t>0,832</a:t>
+                      </a:r>
+                      <a:endParaRPr lang="it-IT" sz="1600" b="0" i="0" u="none" strike="noStrike" dirty="0">
+                        <a:solidFill>
+                          <a:srgbClr val="000000"/>
+                        </a:solidFill>
+                        <a:effectLst/>
+                        <a:latin typeface="Calibri"/>
+                      </a:endParaRPr>
+                    </a:p>
+                  </a:txBody>
+                  <a:tcPr marL="9525" marR="9525" marT="9525" marB="0" anchor="ctr"/>
+                </a:tc>
+                <a:tc>
+                  <a:txBody>
+                    <a:bodyPr/>
+                    <a:lstStyle/>
+                    <a:p>
+                      <a:pPr algn="ctr" fontAlgn="ctr"/>
+                      <a:r>
+                        <a:rPr lang="it-IT" sz="1600" b="0" i="0" u="none" strike="noStrike" dirty="0" smtClean="0">
+                          <a:solidFill>
+                            <a:srgbClr val="000000"/>
+                          </a:solidFill>
+                          <a:effectLst/>
+                          <a:latin typeface="Calibri"/>
+                        </a:rPr>
+                        <a:t>3,343</a:t>
+                      </a:r>
+                      <a:endParaRPr lang="it-IT" sz="1600" b="0" i="0" u="none" strike="noStrike" dirty="0">
+                        <a:solidFill>
+                          <a:srgbClr val="000000"/>
+                        </a:solidFill>
+                        <a:effectLst/>
+                        <a:latin typeface="Calibri"/>
+                      </a:endParaRPr>
+                    </a:p>
+                  </a:txBody>
+                  <a:tcPr marL="9525" marR="9525" marT="9525" marB="0" anchor="ctr"/>
+                </a:tc>
+                <a:tc>
+                  <a:txBody>
+                    <a:bodyPr/>
+                    <a:lstStyle/>
+                    <a:p>
+                      <a:pPr algn="ctr" fontAlgn="ctr"/>
+                      <a:r>
+                        <a:rPr lang="it-IT" sz="1600" b="0" i="0" u="none" strike="noStrike" dirty="0" smtClean="0">
+                          <a:solidFill>
+                            <a:srgbClr val="000000"/>
+                          </a:solidFill>
+                          <a:effectLst/>
+                          <a:latin typeface="Calibri"/>
+                        </a:rPr>
+                        <a:t>0,08317</a:t>
                       </a:r>
                       <a:endParaRPr lang="it-IT" sz="1600" b="0" i="0" u="none" strike="noStrike" dirty="0">
                         <a:solidFill>
@@ -9088,6 +11040,13 @@
   <p:clrMapOvr>
     <a:masterClrMapping/>
   </p:clrMapOvr>
+  <p:timing>
+    <p:tnLst>
+      <p:par>
+        <p:cTn id="1" dur="indefinite" restart="never" nodeType="tmRoot"/>
+      </p:par>
+    </p:tnLst>
+  </p:timing>
 </p:sld>
 </file>
 
